--- a/slides/W.11.11.Storage.pptx
+++ b/slides/W.11.11.Storage.pptx
@@ -228,7 +228,7 @@
             <a:fld id="{6DE37D56-AB77-CE4B-B078-A8BFFB2FAE95}" type="datetimeFigureOut">
               <a:rPr lang="en-US" smtClean="0"/>
               <a:pPr/>
-              <a:t>11/13/20</a:t>
+              <a:t>2/1/21</a:t>
             </a:fld>
             <a:endParaRPr lang="en-US"/>
           </a:p>
@@ -396,7 +396,7 @@
             <a:fld id="{FC744734-BC72-CD49-B3A6-8834D3D26B66}" type="datetimeFigureOut">
               <a:rPr lang="en-US" smtClean="0"/>
               <a:pPr/>
-              <a:t>11/13/20</a:t>
+              <a:t>2/1/21</a:t>
             </a:fld>
             <a:endParaRPr lang="en-US"/>
           </a:p>
